--- a/clases/Cap06_Restauracion/presentations/IMG06_EjemploBlur.pptx
+++ b/clases/Cap06_Restauracion/presentations/IMG06_EjemploBlur.pptx
@@ -7057,7 +7057,7 @@
         <p:spPr>
           <a:xfrm>
             <a:off x="522514" y="5590902"/>
-            <a:ext cx="8279254" cy="369332"/>
+            <a:ext cx="8030788" cy="369332"/>
           </a:xfrm>
           <a:prstGeom prst="rect">
             <a:avLst/>
@@ -7112,7 +7112,7 @@
             </a:r>
             <a:r>
               <a:rPr lang="en-US" dirty="0" err="1"/>
-              <a:t>menos</a:t>
+              <a:t>más</a:t>
             </a:r>
             <a:r>
               <a:rPr lang="en-US" dirty="0"/>
@@ -7174,222 +7174,6 @@
   <p:clrMapOvr>
     <a:masterClrMapping/>
   </p:clrMapOvr>
-  <p:timing>
-    <p:tnLst>
-      <p:par>
-        <p:cTn id="1" dur="indefinite" restart="never" nodeType="tmRoot">
-          <p:childTnLst>
-            <p:seq concurrent="1" nextAc="seek">
-              <p:cTn id="2" dur="indefinite" nodeType="mainSeq">
-                <p:childTnLst>
-                  <p:par>
-                    <p:cTn id="3" fill="hold">
-                      <p:stCondLst>
-                        <p:cond delay="indefinite"/>
-                      </p:stCondLst>
-                      <p:childTnLst>
-                        <p:par>
-                          <p:cTn id="4" fill="hold">
-                            <p:stCondLst>
-                              <p:cond delay="0"/>
-                            </p:stCondLst>
-                            <p:childTnLst>
-                              <p:par>
-                                <p:cTn id="5" presetID="1" presetClass="entr" presetSubtype="0" fill="hold" grpId="0" nodeType="clickEffect">
-                                  <p:stCondLst>
-                                    <p:cond delay="0"/>
-                                  </p:stCondLst>
-                                  <p:childTnLst>
-                                    <p:set>
-                                      <p:cBhvr>
-                                        <p:cTn id="6" dur="1" fill="hold">
-                                          <p:stCondLst>
-                                            <p:cond delay="0"/>
-                                          </p:stCondLst>
-                                        </p:cTn>
-                                        <p:tgtEl>
-                                          <p:spTgt spid="3"/>
-                                        </p:tgtEl>
-                                        <p:attrNameLst>
-                                          <p:attrName>style.visibility</p:attrName>
-                                        </p:attrNameLst>
-                                      </p:cBhvr>
-                                      <p:to>
-                                        <p:strVal val="visible"/>
-                                      </p:to>
-                                    </p:set>
-                                  </p:childTnLst>
-                                </p:cTn>
-                              </p:par>
-                            </p:childTnLst>
-                          </p:cTn>
-                        </p:par>
-                      </p:childTnLst>
-                    </p:cTn>
-                  </p:par>
-                  <p:par>
-                    <p:cTn id="7" fill="hold">
-                      <p:stCondLst>
-                        <p:cond delay="indefinite"/>
-                      </p:stCondLst>
-                      <p:childTnLst>
-                        <p:par>
-                          <p:cTn id="8" fill="hold">
-                            <p:stCondLst>
-                              <p:cond delay="0"/>
-                            </p:stCondLst>
-                            <p:childTnLst>
-                              <p:par>
-                                <p:cTn id="9" presetID="1" presetClass="entr" presetSubtype="0" fill="hold" grpId="0" nodeType="clickEffect">
-                                  <p:stCondLst>
-                                    <p:cond delay="0"/>
-                                  </p:stCondLst>
-                                  <p:childTnLst>
-                                    <p:set>
-                                      <p:cBhvr>
-                                        <p:cTn id="10" dur="1" fill="hold">
-                                          <p:stCondLst>
-                                            <p:cond delay="0"/>
-                                          </p:stCondLst>
-                                        </p:cTn>
-                                        <p:tgtEl>
-                                          <p:spTgt spid="45"/>
-                                        </p:tgtEl>
-                                        <p:attrNameLst>
-                                          <p:attrName>style.visibility</p:attrName>
-                                        </p:attrNameLst>
-                                      </p:cBhvr>
-                                      <p:to>
-                                        <p:strVal val="visible"/>
-                                      </p:to>
-                                    </p:set>
-                                  </p:childTnLst>
-                                </p:cTn>
-                              </p:par>
-                            </p:childTnLst>
-                          </p:cTn>
-                        </p:par>
-                      </p:childTnLst>
-                    </p:cTn>
-                  </p:par>
-                  <p:par>
-                    <p:cTn id="11" fill="hold">
-                      <p:stCondLst>
-                        <p:cond delay="indefinite"/>
-                      </p:stCondLst>
-                      <p:childTnLst>
-                        <p:par>
-                          <p:cTn id="12" fill="hold">
-                            <p:stCondLst>
-                              <p:cond delay="0"/>
-                            </p:stCondLst>
-                            <p:childTnLst>
-                              <p:par>
-                                <p:cTn id="13" presetID="1" presetClass="entr" presetSubtype="0" fill="hold" grpId="0" nodeType="clickEffect">
-                                  <p:stCondLst>
-                                    <p:cond delay="0"/>
-                                  </p:stCondLst>
-                                  <p:childTnLst>
-                                    <p:set>
-                                      <p:cBhvr>
-                                        <p:cTn id="14" dur="1" fill="hold">
-                                          <p:stCondLst>
-                                            <p:cond delay="0"/>
-                                          </p:stCondLst>
-                                        </p:cTn>
-                                        <p:tgtEl>
-                                          <p:spTgt spid="47"/>
-                                        </p:tgtEl>
-                                        <p:attrNameLst>
-                                          <p:attrName>style.visibility</p:attrName>
-                                        </p:attrNameLst>
-                                      </p:cBhvr>
-                                      <p:to>
-                                        <p:strVal val="visible"/>
-                                      </p:to>
-                                    </p:set>
-                                  </p:childTnLst>
-                                </p:cTn>
-                              </p:par>
-                            </p:childTnLst>
-                          </p:cTn>
-                        </p:par>
-                      </p:childTnLst>
-                    </p:cTn>
-                  </p:par>
-                  <p:par>
-                    <p:cTn id="15" fill="hold">
-                      <p:stCondLst>
-                        <p:cond delay="indefinite"/>
-                      </p:stCondLst>
-                      <p:childTnLst>
-                        <p:par>
-                          <p:cTn id="16" fill="hold">
-                            <p:stCondLst>
-                              <p:cond delay="0"/>
-                            </p:stCondLst>
-                            <p:childTnLst>
-                              <p:par>
-                                <p:cTn id="17" presetID="1" presetClass="entr" presetSubtype="0" fill="hold" grpId="0" nodeType="clickEffect">
-                                  <p:stCondLst>
-                                    <p:cond delay="0"/>
-                                  </p:stCondLst>
-                                  <p:childTnLst>
-                                    <p:set>
-                                      <p:cBhvr>
-                                        <p:cTn id="18" dur="1" fill="hold">
-                                          <p:stCondLst>
-                                            <p:cond delay="0"/>
-                                          </p:stCondLst>
-                                        </p:cTn>
-                                        <p:tgtEl>
-                                          <p:spTgt spid="49"/>
-                                        </p:tgtEl>
-                                        <p:attrNameLst>
-                                          <p:attrName>style.visibility</p:attrName>
-                                        </p:attrNameLst>
-                                      </p:cBhvr>
-                                      <p:to>
-                                        <p:strVal val="visible"/>
-                                      </p:to>
-                                    </p:set>
-                                  </p:childTnLst>
-                                </p:cTn>
-                              </p:par>
-                            </p:childTnLst>
-                          </p:cTn>
-                        </p:par>
-                      </p:childTnLst>
-                    </p:cTn>
-                  </p:par>
-                </p:childTnLst>
-              </p:cTn>
-              <p:prevCondLst>
-                <p:cond evt="onPrev" delay="0">
-                  <p:tgtEl>
-                    <p:sldTgt/>
-                  </p:tgtEl>
-                </p:cond>
-              </p:prevCondLst>
-              <p:nextCondLst>
-                <p:cond evt="onNext" delay="0">
-                  <p:tgtEl>
-                    <p:sldTgt/>
-                  </p:tgtEl>
-                </p:cond>
-              </p:nextCondLst>
-            </p:seq>
-          </p:childTnLst>
-        </p:cTn>
-      </p:par>
-    </p:tnLst>
-    <p:bldLst>
-      <p:bldP spid="3" grpId="0"/>
-      <p:bldP spid="45" grpId="0"/>
-      <p:bldP spid="47" grpId="0"/>
-      <p:bldP spid="49" grpId="0"/>
-    </p:bldLst>
-  </p:timing>
 </p:sld>
 </file>
 
@@ -9631,7 +9415,7 @@
         <p:spPr>
           <a:xfrm>
             <a:off x="522514" y="5590902"/>
-            <a:ext cx="8226355" cy="923330"/>
+            <a:ext cx="7977890" cy="923330"/>
           </a:xfrm>
           <a:prstGeom prst="rect">
             <a:avLst/>
@@ -9686,7 +9470,7 @@
             </a:r>
             <a:r>
               <a:rPr lang="en-US" dirty="0" err="1"/>
-              <a:t>menos</a:t>
+              <a:t>más</a:t>
             </a:r>
             <a:r>
               <a:rPr lang="en-US" dirty="0"/>
@@ -9821,222 +9605,6 @@
   <p:clrMapOvr>
     <a:masterClrMapping/>
   </p:clrMapOvr>
-  <p:timing>
-    <p:tnLst>
-      <p:par>
-        <p:cTn id="1" dur="indefinite" restart="never" nodeType="tmRoot">
-          <p:childTnLst>
-            <p:seq concurrent="1" nextAc="seek">
-              <p:cTn id="2" dur="indefinite" nodeType="mainSeq">
-                <p:childTnLst>
-                  <p:par>
-                    <p:cTn id="3" fill="hold">
-                      <p:stCondLst>
-                        <p:cond delay="indefinite"/>
-                      </p:stCondLst>
-                      <p:childTnLst>
-                        <p:par>
-                          <p:cTn id="4" fill="hold">
-                            <p:stCondLst>
-                              <p:cond delay="0"/>
-                            </p:stCondLst>
-                            <p:childTnLst>
-                              <p:par>
-                                <p:cTn id="5" presetID="1" presetClass="entr" presetSubtype="0" fill="hold" grpId="0" nodeType="clickEffect">
-                                  <p:stCondLst>
-                                    <p:cond delay="0"/>
-                                  </p:stCondLst>
-                                  <p:childTnLst>
-                                    <p:set>
-                                      <p:cBhvr>
-                                        <p:cTn id="6" dur="1" fill="hold">
-                                          <p:stCondLst>
-                                            <p:cond delay="0"/>
-                                          </p:stCondLst>
-                                        </p:cTn>
-                                        <p:tgtEl>
-                                          <p:spTgt spid="3"/>
-                                        </p:tgtEl>
-                                        <p:attrNameLst>
-                                          <p:attrName>style.visibility</p:attrName>
-                                        </p:attrNameLst>
-                                      </p:cBhvr>
-                                      <p:to>
-                                        <p:strVal val="visible"/>
-                                      </p:to>
-                                    </p:set>
-                                  </p:childTnLst>
-                                </p:cTn>
-                              </p:par>
-                            </p:childTnLst>
-                          </p:cTn>
-                        </p:par>
-                      </p:childTnLst>
-                    </p:cTn>
-                  </p:par>
-                  <p:par>
-                    <p:cTn id="7" fill="hold">
-                      <p:stCondLst>
-                        <p:cond delay="indefinite"/>
-                      </p:stCondLst>
-                      <p:childTnLst>
-                        <p:par>
-                          <p:cTn id="8" fill="hold">
-                            <p:stCondLst>
-                              <p:cond delay="0"/>
-                            </p:stCondLst>
-                            <p:childTnLst>
-                              <p:par>
-                                <p:cTn id="9" presetID="1" presetClass="entr" presetSubtype="0" fill="hold" grpId="0" nodeType="clickEffect">
-                                  <p:stCondLst>
-                                    <p:cond delay="0"/>
-                                  </p:stCondLst>
-                                  <p:childTnLst>
-                                    <p:set>
-                                      <p:cBhvr>
-                                        <p:cTn id="10" dur="1" fill="hold">
-                                          <p:stCondLst>
-                                            <p:cond delay="0"/>
-                                          </p:stCondLst>
-                                        </p:cTn>
-                                        <p:tgtEl>
-                                          <p:spTgt spid="45"/>
-                                        </p:tgtEl>
-                                        <p:attrNameLst>
-                                          <p:attrName>style.visibility</p:attrName>
-                                        </p:attrNameLst>
-                                      </p:cBhvr>
-                                      <p:to>
-                                        <p:strVal val="visible"/>
-                                      </p:to>
-                                    </p:set>
-                                  </p:childTnLst>
-                                </p:cTn>
-                              </p:par>
-                            </p:childTnLst>
-                          </p:cTn>
-                        </p:par>
-                      </p:childTnLst>
-                    </p:cTn>
-                  </p:par>
-                  <p:par>
-                    <p:cTn id="11" fill="hold">
-                      <p:stCondLst>
-                        <p:cond delay="indefinite"/>
-                      </p:stCondLst>
-                      <p:childTnLst>
-                        <p:par>
-                          <p:cTn id="12" fill="hold">
-                            <p:stCondLst>
-                              <p:cond delay="0"/>
-                            </p:stCondLst>
-                            <p:childTnLst>
-                              <p:par>
-                                <p:cTn id="13" presetID="1" presetClass="entr" presetSubtype="0" fill="hold" grpId="0" nodeType="clickEffect">
-                                  <p:stCondLst>
-                                    <p:cond delay="0"/>
-                                  </p:stCondLst>
-                                  <p:childTnLst>
-                                    <p:set>
-                                      <p:cBhvr>
-                                        <p:cTn id="14" dur="1" fill="hold">
-                                          <p:stCondLst>
-                                            <p:cond delay="0"/>
-                                          </p:stCondLst>
-                                        </p:cTn>
-                                        <p:tgtEl>
-                                          <p:spTgt spid="47"/>
-                                        </p:tgtEl>
-                                        <p:attrNameLst>
-                                          <p:attrName>style.visibility</p:attrName>
-                                        </p:attrNameLst>
-                                      </p:cBhvr>
-                                      <p:to>
-                                        <p:strVal val="visible"/>
-                                      </p:to>
-                                    </p:set>
-                                  </p:childTnLst>
-                                </p:cTn>
-                              </p:par>
-                            </p:childTnLst>
-                          </p:cTn>
-                        </p:par>
-                      </p:childTnLst>
-                    </p:cTn>
-                  </p:par>
-                  <p:par>
-                    <p:cTn id="15" fill="hold">
-                      <p:stCondLst>
-                        <p:cond delay="indefinite"/>
-                      </p:stCondLst>
-                      <p:childTnLst>
-                        <p:par>
-                          <p:cTn id="16" fill="hold">
-                            <p:stCondLst>
-                              <p:cond delay="0"/>
-                            </p:stCondLst>
-                            <p:childTnLst>
-                              <p:par>
-                                <p:cTn id="17" presetID="1" presetClass="entr" presetSubtype="0" fill="hold" grpId="0" nodeType="clickEffect">
-                                  <p:stCondLst>
-                                    <p:cond delay="0"/>
-                                  </p:stCondLst>
-                                  <p:childTnLst>
-                                    <p:set>
-                                      <p:cBhvr>
-                                        <p:cTn id="18" dur="1" fill="hold">
-                                          <p:stCondLst>
-                                            <p:cond delay="0"/>
-                                          </p:stCondLst>
-                                        </p:cTn>
-                                        <p:tgtEl>
-                                          <p:spTgt spid="49"/>
-                                        </p:tgtEl>
-                                        <p:attrNameLst>
-                                          <p:attrName>style.visibility</p:attrName>
-                                        </p:attrNameLst>
-                                      </p:cBhvr>
-                                      <p:to>
-                                        <p:strVal val="visible"/>
-                                      </p:to>
-                                    </p:set>
-                                  </p:childTnLst>
-                                </p:cTn>
-                              </p:par>
-                            </p:childTnLst>
-                          </p:cTn>
-                        </p:par>
-                      </p:childTnLst>
-                    </p:cTn>
-                  </p:par>
-                </p:childTnLst>
-              </p:cTn>
-              <p:prevCondLst>
-                <p:cond evt="onPrev" delay="0">
-                  <p:tgtEl>
-                    <p:sldTgt/>
-                  </p:tgtEl>
-                </p:cond>
-              </p:prevCondLst>
-              <p:nextCondLst>
-                <p:cond evt="onNext" delay="0">
-                  <p:tgtEl>
-                    <p:sldTgt/>
-                  </p:tgtEl>
-                </p:cond>
-              </p:nextCondLst>
-            </p:seq>
-          </p:childTnLst>
-        </p:cTn>
-      </p:par>
-    </p:tnLst>
-    <p:bldLst>
-      <p:bldP spid="3" grpId="0"/>
-      <p:bldP spid="45" grpId="0"/>
-      <p:bldP spid="47" grpId="0"/>
-      <p:bldP spid="49" grpId="0"/>
-    </p:bldLst>
-  </p:timing>
 </p:sld>
 </file>
 
@@ -12278,7 +11846,7 @@
         <p:spPr>
           <a:xfrm>
             <a:off x="522514" y="5590902"/>
-            <a:ext cx="8226355" cy="923330"/>
+            <a:ext cx="7977890" cy="923330"/>
           </a:xfrm>
           <a:prstGeom prst="rect">
             <a:avLst/>
@@ -12333,7 +11901,7 @@
             </a:r>
             <a:r>
               <a:rPr lang="en-US" dirty="0" err="1"/>
-              <a:t>menos</a:t>
+              <a:t>más</a:t>
             </a:r>
             <a:r>
               <a:rPr lang="en-US" dirty="0"/>
@@ -12966,222 +12534,6 @@
   <p:clrMapOvr>
     <a:masterClrMapping/>
   </p:clrMapOvr>
-  <p:timing>
-    <p:tnLst>
-      <p:par>
-        <p:cTn id="1" dur="indefinite" restart="never" nodeType="tmRoot">
-          <p:childTnLst>
-            <p:seq concurrent="1" nextAc="seek">
-              <p:cTn id="2" dur="indefinite" nodeType="mainSeq">
-                <p:childTnLst>
-                  <p:par>
-                    <p:cTn id="3" fill="hold">
-                      <p:stCondLst>
-                        <p:cond delay="indefinite"/>
-                      </p:stCondLst>
-                      <p:childTnLst>
-                        <p:par>
-                          <p:cTn id="4" fill="hold">
-                            <p:stCondLst>
-                              <p:cond delay="0"/>
-                            </p:stCondLst>
-                            <p:childTnLst>
-                              <p:par>
-                                <p:cTn id="5" presetID="1" presetClass="entr" presetSubtype="0" fill="hold" grpId="0" nodeType="clickEffect">
-                                  <p:stCondLst>
-                                    <p:cond delay="0"/>
-                                  </p:stCondLst>
-                                  <p:childTnLst>
-                                    <p:set>
-                                      <p:cBhvr>
-                                        <p:cTn id="6" dur="1" fill="hold">
-                                          <p:stCondLst>
-                                            <p:cond delay="0"/>
-                                          </p:stCondLst>
-                                        </p:cTn>
-                                        <p:tgtEl>
-                                          <p:spTgt spid="3"/>
-                                        </p:tgtEl>
-                                        <p:attrNameLst>
-                                          <p:attrName>style.visibility</p:attrName>
-                                        </p:attrNameLst>
-                                      </p:cBhvr>
-                                      <p:to>
-                                        <p:strVal val="visible"/>
-                                      </p:to>
-                                    </p:set>
-                                  </p:childTnLst>
-                                </p:cTn>
-                              </p:par>
-                            </p:childTnLst>
-                          </p:cTn>
-                        </p:par>
-                      </p:childTnLst>
-                    </p:cTn>
-                  </p:par>
-                  <p:par>
-                    <p:cTn id="7" fill="hold">
-                      <p:stCondLst>
-                        <p:cond delay="indefinite"/>
-                      </p:stCondLst>
-                      <p:childTnLst>
-                        <p:par>
-                          <p:cTn id="8" fill="hold">
-                            <p:stCondLst>
-                              <p:cond delay="0"/>
-                            </p:stCondLst>
-                            <p:childTnLst>
-                              <p:par>
-                                <p:cTn id="9" presetID="1" presetClass="entr" presetSubtype="0" fill="hold" grpId="0" nodeType="clickEffect">
-                                  <p:stCondLst>
-                                    <p:cond delay="0"/>
-                                  </p:stCondLst>
-                                  <p:childTnLst>
-                                    <p:set>
-                                      <p:cBhvr>
-                                        <p:cTn id="10" dur="1" fill="hold">
-                                          <p:stCondLst>
-                                            <p:cond delay="0"/>
-                                          </p:stCondLst>
-                                        </p:cTn>
-                                        <p:tgtEl>
-                                          <p:spTgt spid="45"/>
-                                        </p:tgtEl>
-                                        <p:attrNameLst>
-                                          <p:attrName>style.visibility</p:attrName>
-                                        </p:attrNameLst>
-                                      </p:cBhvr>
-                                      <p:to>
-                                        <p:strVal val="visible"/>
-                                      </p:to>
-                                    </p:set>
-                                  </p:childTnLst>
-                                </p:cTn>
-                              </p:par>
-                            </p:childTnLst>
-                          </p:cTn>
-                        </p:par>
-                      </p:childTnLst>
-                    </p:cTn>
-                  </p:par>
-                  <p:par>
-                    <p:cTn id="11" fill="hold">
-                      <p:stCondLst>
-                        <p:cond delay="indefinite"/>
-                      </p:stCondLst>
-                      <p:childTnLst>
-                        <p:par>
-                          <p:cTn id="12" fill="hold">
-                            <p:stCondLst>
-                              <p:cond delay="0"/>
-                            </p:stCondLst>
-                            <p:childTnLst>
-                              <p:par>
-                                <p:cTn id="13" presetID="1" presetClass="entr" presetSubtype="0" fill="hold" grpId="0" nodeType="clickEffect">
-                                  <p:stCondLst>
-                                    <p:cond delay="0"/>
-                                  </p:stCondLst>
-                                  <p:childTnLst>
-                                    <p:set>
-                                      <p:cBhvr>
-                                        <p:cTn id="14" dur="1" fill="hold">
-                                          <p:stCondLst>
-                                            <p:cond delay="0"/>
-                                          </p:stCondLst>
-                                        </p:cTn>
-                                        <p:tgtEl>
-                                          <p:spTgt spid="47"/>
-                                        </p:tgtEl>
-                                        <p:attrNameLst>
-                                          <p:attrName>style.visibility</p:attrName>
-                                        </p:attrNameLst>
-                                      </p:cBhvr>
-                                      <p:to>
-                                        <p:strVal val="visible"/>
-                                      </p:to>
-                                    </p:set>
-                                  </p:childTnLst>
-                                </p:cTn>
-                              </p:par>
-                            </p:childTnLst>
-                          </p:cTn>
-                        </p:par>
-                      </p:childTnLst>
-                    </p:cTn>
-                  </p:par>
-                  <p:par>
-                    <p:cTn id="15" fill="hold">
-                      <p:stCondLst>
-                        <p:cond delay="indefinite"/>
-                      </p:stCondLst>
-                      <p:childTnLst>
-                        <p:par>
-                          <p:cTn id="16" fill="hold">
-                            <p:stCondLst>
-                              <p:cond delay="0"/>
-                            </p:stCondLst>
-                            <p:childTnLst>
-                              <p:par>
-                                <p:cTn id="17" presetID="1" presetClass="entr" presetSubtype="0" fill="hold" grpId="0" nodeType="clickEffect">
-                                  <p:stCondLst>
-                                    <p:cond delay="0"/>
-                                  </p:stCondLst>
-                                  <p:childTnLst>
-                                    <p:set>
-                                      <p:cBhvr>
-                                        <p:cTn id="18" dur="1" fill="hold">
-                                          <p:stCondLst>
-                                            <p:cond delay="0"/>
-                                          </p:stCondLst>
-                                        </p:cTn>
-                                        <p:tgtEl>
-                                          <p:spTgt spid="49"/>
-                                        </p:tgtEl>
-                                        <p:attrNameLst>
-                                          <p:attrName>style.visibility</p:attrName>
-                                        </p:attrNameLst>
-                                      </p:cBhvr>
-                                      <p:to>
-                                        <p:strVal val="visible"/>
-                                      </p:to>
-                                    </p:set>
-                                  </p:childTnLst>
-                                </p:cTn>
-                              </p:par>
-                            </p:childTnLst>
-                          </p:cTn>
-                        </p:par>
-                      </p:childTnLst>
-                    </p:cTn>
-                  </p:par>
-                </p:childTnLst>
-              </p:cTn>
-              <p:prevCondLst>
-                <p:cond evt="onPrev" delay="0">
-                  <p:tgtEl>
-                    <p:sldTgt/>
-                  </p:tgtEl>
-                </p:cond>
-              </p:prevCondLst>
-              <p:nextCondLst>
-                <p:cond evt="onNext" delay="0">
-                  <p:tgtEl>
-                    <p:sldTgt/>
-                  </p:tgtEl>
-                </p:cond>
-              </p:nextCondLst>
-            </p:seq>
-          </p:childTnLst>
-        </p:cTn>
-      </p:par>
-    </p:tnLst>
-    <p:bldLst>
-      <p:bldP spid="3" grpId="0"/>
-      <p:bldP spid="45" grpId="0"/>
-      <p:bldP spid="47" grpId="0"/>
-      <p:bldP spid="49" grpId="0"/>
-    </p:bldLst>
-  </p:timing>
 </p:sld>
 </file>
 
